--- a/Week 6.pptx
+++ b/Week 6.pptx
@@ -110,6 +110,11 @@
       </a:defRPr>
     </a:lvl9pPr>
   </p:defaultTextStyle>
+  <p:extLst>
+    <p:ext uri="{EFAFB233-063F-42B5-8137-9DF3F51BA10A}">
+      <p15:sldGuideLst xmlns:p15="http://schemas.microsoft.com/office/powerpoint/2012/main"/>
+    </p:ext>
+  </p:extLst>
 </p:presentation>
 </file>
 
@@ -4251,7 +4256,6 @@
           </a:bodyPr>
           <a:lstStyle/>
           <a:p>
-            <a:pPr algn="r"/>
             <a:r>
               <a:rPr lang="en-GB" sz="1200" dirty="0">
                 <a:latin typeface="Times New Roman" panose="02020603050405020304" pitchFamily="18" charset="0"/>
@@ -4261,7 +4265,6 @@
             </a:r>
           </a:p>
           <a:p>
-            <a:pPr algn="r"/>
             <a:r>
               <a:rPr lang="en-GB" sz="1200" dirty="0">
                 <a:latin typeface="Times New Roman" panose="02020603050405020304" pitchFamily="18" charset="0"/>
@@ -4271,7 +4274,6 @@
             </a:r>
           </a:p>
           <a:p>
-            <a:pPr algn="r"/>
             <a:r>
               <a:rPr lang="en-GB" sz="1200" dirty="0">
                 <a:latin typeface="Times New Roman" panose="02020603050405020304" pitchFamily="18" charset="0"/>
@@ -4281,7 +4283,6 @@
             </a:r>
           </a:p>
           <a:p>
-            <a:pPr algn="r"/>
             <a:r>
               <a:rPr lang="en-GB" sz="1200" dirty="0">
                 <a:latin typeface="Times New Roman" panose="02020603050405020304" pitchFamily="18" charset="0"/>
@@ -4291,7 +4292,6 @@
             </a:r>
           </a:p>
           <a:p>
-            <a:pPr algn="r"/>
             <a:r>
               <a:rPr lang="en-IN" sz="1200" dirty="0">
                 <a:latin typeface="Times New Roman" panose="02020603050405020304" pitchFamily="18" charset="0"/>
